--- a/CPP(2~12)/08_클래스_상속.pptx
+++ b/CPP(2~12)/08_클래스_상속.pptx
@@ -219,7 +219,7 @@
           <a:p>
             <a:fld id="{2229C11E-4EF0-425E-89BA-56B170901842}" type="datetimeFigureOut">
               <a:rPr lang="ko-KR" altLang="en-US" smtClean="0"/>
-              <a:t>2023-09-12</a:t>
+              <a:t>2024-01-26</a:t>
             </a:fld>
             <a:endParaRPr lang="ko-KR" altLang="en-US"/>
           </a:p>
@@ -942,7 +942,7 @@
           <a:p>
             <a:fld id="{9C6F2426-F011-4048-96E6-328581C59A1B}" type="datetimeFigureOut">
               <a:rPr lang="ko-KR" altLang="en-US" smtClean="0"/>
-              <a:t>2023-09-12</a:t>
+              <a:t>2024-01-26</a:t>
             </a:fld>
             <a:endParaRPr lang="ko-KR" altLang="en-US"/>
           </a:p>
@@ -1140,7 +1140,7 @@
           <a:p>
             <a:fld id="{9C6F2426-F011-4048-96E6-328581C59A1B}" type="datetimeFigureOut">
               <a:rPr lang="ko-KR" altLang="en-US" smtClean="0"/>
-              <a:t>2023-09-12</a:t>
+              <a:t>2024-01-26</a:t>
             </a:fld>
             <a:endParaRPr lang="ko-KR" altLang="en-US"/>
           </a:p>
@@ -1348,7 +1348,7 @@
           <a:p>
             <a:fld id="{9C6F2426-F011-4048-96E6-328581C59A1B}" type="datetimeFigureOut">
               <a:rPr lang="ko-KR" altLang="en-US" smtClean="0"/>
-              <a:t>2023-09-12</a:t>
+              <a:t>2024-01-26</a:t>
             </a:fld>
             <a:endParaRPr lang="ko-KR" altLang="en-US"/>
           </a:p>
@@ -1546,7 +1546,7 @@
           <a:p>
             <a:fld id="{9C6F2426-F011-4048-96E6-328581C59A1B}" type="datetimeFigureOut">
               <a:rPr lang="ko-KR" altLang="en-US" smtClean="0"/>
-              <a:t>2023-09-12</a:t>
+              <a:t>2024-01-26</a:t>
             </a:fld>
             <a:endParaRPr lang="ko-KR" altLang="en-US"/>
           </a:p>
@@ -1821,7 +1821,7 @@
           <a:p>
             <a:fld id="{9C6F2426-F011-4048-96E6-328581C59A1B}" type="datetimeFigureOut">
               <a:rPr lang="ko-KR" altLang="en-US" smtClean="0"/>
-              <a:t>2023-09-12</a:t>
+              <a:t>2024-01-26</a:t>
             </a:fld>
             <a:endParaRPr lang="ko-KR" altLang="en-US"/>
           </a:p>
@@ -2086,7 +2086,7 @@
           <a:p>
             <a:fld id="{9C6F2426-F011-4048-96E6-328581C59A1B}" type="datetimeFigureOut">
               <a:rPr lang="ko-KR" altLang="en-US" smtClean="0"/>
-              <a:t>2023-09-12</a:t>
+              <a:t>2024-01-26</a:t>
             </a:fld>
             <a:endParaRPr lang="ko-KR" altLang="en-US"/>
           </a:p>
@@ -2498,7 +2498,7 @@
           <a:p>
             <a:fld id="{9C6F2426-F011-4048-96E6-328581C59A1B}" type="datetimeFigureOut">
               <a:rPr lang="ko-KR" altLang="en-US" smtClean="0"/>
-              <a:t>2023-09-12</a:t>
+              <a:t>2024-01-26</a:t>
             </a:fld>
             <a:endParaRPr lang="ko-KR" altLang="en-US"/>
           </a:p>
@@ -2639,7 +2639,7 @@
           <a:p>
             <a:fld id="{9C6F2426-F011-4048-96E6-328581C59A1B}" type="datetimeFigureOut">
               <a:rPr lang="ko-KR" altLang="en-US" smtClean="0"/>
-              <a:t>2023-09-12</a:t>
+              <a:t>2024-01-26</a:t>
             </a:fld>
             <a:endParaRPr lang="ko-KR" altLang="en-US"/>
           </a:p>
@@ -2752,7 +2752,7 @@
           <a:p>
             <a:fld id="{9C6F2426-F011-4048-96E6-328581C59A1B}" type="datetimeFigureOut">
               <a:rPr lang="ko-KR" altLang="en-US" smtClean="0"/>
-              <a:t>2023-09-12</a:t>
+              <a:t>2024-01-26</a:t>
             </a:fld>
             <a:endParaRPr lang="ko-KR" altLang="en-US"/>
           </a:p>
@@ -3063,7 +3063,7 @@
           <a:p>
             <a:fld id="{9C6F2426-F011-4048-96E6-328581C59A1B}" type="datetimeFigureOut">
               <a:rPr lang="ko-KR" altLang="en-US" smtClean="0"/>
-              <a:t>2023-09-12</a:t>
+              <a:t>2024-01-26</a:t>
             </a:fld>
             <a:endParaRPr lang="ko-KR" altLang="en-US"/>
           </a:p>
@@ -3351,7 +3351,7 @@
           <a:p>
             <a:fld id="{9C6F2426-F011-4048-96E6-328581C59A1B}" type="datetimeFigureOut">
               <a:rPr lang="ko-KR" altLang="en-US" smtClean="0"/>
-              <a:t>2023-09-12</a:t>
+              <a:t>2024-01-26</a:t>
             </a:fld>
             <a:endParaRPr lang="ko-KR" altLang="en-US"/>
           </a:p>
@@ -3592,7 +3592,7 @@
           <a:p>
             <a:fld id="{9C6F2426-F011-4048-96E6-328581C59A1B}" type="datetimeFigureOut">
               <a:rPr lang="ko-KR" altLang="en-US" smtClean="0"/>
-              <a:t>2023-09-12</a:t>
+              <a:t>2024-01-26</a:t>
             </a:fld>
             <a:endParaRPr lang="ko-KR" altLang="en-US"/>
           </a:p>
@@ -4097,7 +4097,7 @@
               <a:rPr lang="en-US" altLang="ko-KR" b="1" dirty="0">
                 <a:latin typeface="Arial Rounded MT Bold" panose="020F0704030504030204" pitchFamily="34" charset="0"/>
               </a:rPr>
-              <a:t>2</a:t>
+              <a:t>4</a:t>
             </a:r>
             <a:r>
               <a:rPr lang="ko-KR" altLang="en-US" b="1" dirty="0">
